--- a/20.08.2022_2.pptx
+++ b/20.08.2022_2.pptx
@@ -5,7 +5,7 @@
     <p:sldMasterId id="2147483678" r:id="rId1"/>
   </p:sldMasterIdLst>
   <p:notesMasterIdLst>
-    <p:notesMasterId r:id="rId14"/>
+    <p:notesMasterId r:id="rId15"/>
   </p:notesMasterIdLst>
   <p:sldIdLst>
     <p:sldId id="261" r:id="rId2"/>
@@ -20,6 +20,7 @@
     <p:sldId id="302" r:id="rId11"/>
     <p:sldId id="303" r:id="rId12"/>
     <p:sldId id="304" r:id="rId13"/>
+    <p:sldId id="305" r:id="rId14"/>
   </p:sldIdLst>
   <p:sldSz cx="12192000" cy="6858000"/>
   <p:notesSz cx="6858000" cy="9144000"/>
@@ -4954,6 +4955,338 @@
     <p:extLst>
       <p:ext uri="{BB962C8B-B14F-4D97-AF65-F5344CB8AC3E}">
         <p14:creationId xmlns:p14="http://schemas.microsoft.com/office/powerpoint/2010/main" val="1234581824"/>
+      </p:ext>
+    </p:extLst>
+  </p:cSld>
+  <p:clrMapOvr>
+    <a:masterClrMapping/>
+  </p:clrMapOvr>
+  <p:timing>
+    <p:tnLst>
+      <p:par>
+        <p:cTn id="1" dur="indefinite" restart="never" nodeType="tmRoot"/>
+      </p:par>
+    </p:tnLst>
+  </p:timing>
+</p:sld>
+</file>
+
+<file path=ppt/slides/slide13.xml><?xml version="1.0" encoding="utf-8"?>
+<p:sld xmlns:a="http://schemas.openxmlformats.org/drawingml/2006/main" xmlns:r="http://schemas.openxmlformats.org/officeDocument/2006/relationships" xmlns:p="http://schemas.openxmlformats.org/presentationml/2006/main">
+  <p:cSld>
+    <p:spTree>
+      <p:nvGrpSpPr>
+        <p:cNvPr id="1" name=""/>
+        <p:cNvGrpSpPr/>
+        <p:nvPr/>
+      </p:nvGrpSpPr>
+      <p:grpSpPr>
+        <a:xfrm>
+          <a:off x="0" y="0"/>
+          <a:ext cx="0" cy="0"/>
+          <a:chOff x="0" y="0"/>
+          <a:chExt cx="0" cy="0"/>
+        </a:xfrm>
+      </p:grpSpPr>
+      <p:sp>
+        <p:nvSpPr>
+          <p:cNvPr id="2" name="Unvan 1"/>
+          <p:cNvSpPr>
+            <a:spLocks noGrp="1"/>
+          </p:cNvSpPr>
+          <p:nvPr>
+            <p:ph type="title"/>
+          </p:nvPr>
+        </p:nvSpPr>
+        <p:spPr/>
+        <p:txBody>
+          <a:bodyPr/>
+          <a:lstStyle/>
+          <a:p>
+            <a:r>
+              <a:rPr lang="tr-TR"/>
+              <a:t>Ders - İçerik </a:t>
+            </a:r>
+            <a:r>
+              <a:rPr lang="tr-TR" smtClean="0"/>
+              <a:t>4</a:t>
+            </a:r>
+            <a:endParaRPr lang="en-US" dirty="0"/>
+          </a:p>
+        </p:txBody>
+      </p:sp>
+      <p:sp>
+        <p:nvSpPr>
+          <p:cNvPr id="3" name="İçerik Yer Tutucusu 2"/>
+          <p:cNvSpPr>
+            <a:spLocks noGrp="1"/>
+          </p:cNvSpPr>
+          <p:nvPr>
+            <p:ph idx="1"/>
+          </p:nvPr>
+        </p:nvSpPr>
+        <p:spPr/>
+        <p:txBody>
+          <a:bodyPr/>
+          <a:lstStyle/>
+          <a:p>
+            <a:pPr algn="just">
+              <a:buFont typeface="Wingdings" panose="05000000000000000000" pitchFamily="2" charset="2"/>
+              <a:buChar char="Ø"/>
+            </a:pPr>
+            <a:r>
+              <a:rPr lang="tr-TR" dirty="0"/>
+              <a:t> </a:t>
+            </a:r>
+            <a:r>
+              <a:rPr lang="tr-TR" dirty="0" smtClean="0"/>
+              <a:t>Kullanmayı düşündüğümüz paketler</a:t>
+            </a:r>
+          </a:p>
+          <a:p>
+            <a:pPr lvl="1" algn="just">
+              <a:buFont typeface="Wingdings" panose="05000000000000000000" pitchFamily="2" charset="2"/>
+              <a:buChar char="Ø"/>
+            </a:pPr>
+            <a:r>
+              <a:rPr lang="tr-TR" dirty="0">
+                <a:hlinkClick r:id="rId2"/>
+              </a:rPr>
+              <a:t>https://loading.io/button/</a:t>
+            </a:r>
+            <a:endParaRPr lang="tr-TR" dirty="0"/>
+          </a:p>
+          <a:p>
+            <a:pPr lvl="1" algn="just">
+              <a:buFont typeface="Wingdings" panose="05000000000000000000" pitchFamily="2" charset="2"/>
+              <a:buChar char="Ø"/>
+            </a:pPr>
+            <a:r>
+              <a:rPr lang="tr-TR" dirty="0">
+                <a:hlinkClick r:id="rId3"/>
+              </a:rPr>
+              <a:t>https://alertifyjs.com</a:t>
+            </a:r>
+            <a:r>
+              <a:rPr lang="tr-TR" dirty="0" smtClean="0">
+                <a:hlinkClick r:id="rId3"/>
+              </a:rPr>
+              <a:t>/</a:t>
+            </a:r>
+            <a:endParaRPr lang="tr-TR" dirty="0" smtClean="0"/>
+          </a:p>
+          <a:p>
+            <a:pPr lvl="1" algn="just">
+              <a:buFont typeface="Wingdings" panose="05000000000000000000" pitchFamily="2" charset="2"/>
+              <a:buChar char="Ø"/>
+            </a:pPr>
+            <a:r>
+              <a:rPr lang="tr-TR" dirty="0" smtClean="0">
+                <a:hlinkClick r:id="rId4"/>
+              </a:rPr>
+              <a:t> https</a:t>
+            </a:r>
+            <a:r>
+              <a:rPr lang="tr-TR" dirty="0">
+                <a:hlinkClick r:id="rId4"/>
+              </a:rPr>
+              <a:t>://</a:t>
+            </a:r>
+            <a:r>
+              <a:rPr lang="tr-TR" dirty="0" smtClean="0">
+                <a:hlinkClick r:id="rId4"/>
+              </a:rPr>
+              <a:t>www.npmjs.com/package/northwind-back-end</a:t>
+            </a:r>
+            <a:endParaRPr lang="tr-TR" dirty="0" smtClean="0"/>
+          </a:p>
+          <a:p>
+            <a:pPr lvl="1" algn="just">
+              <a:buFont typeface="Wingdings" panose="05000000000000000000" pitchFamily="2" charset="2"/>
+              <a:buChar char="Ø"/>
+            </a:pPr>
+            <a:endParaRPr lang="tr-TR" dirty="0"/>
+          </a:p>
+          <a:p>
+            <a:pPr algn="just">
+              <a:buFont typeface="Wingdings" panose="05000000000000000000" pitchFamily="2" charset="2"/>
+              <a:buChar char="Ø"/>
+            </a:pPr>
+            <a:r>
+              <a:rPr lang="tr-TR" dirty="0"/>
+              <a:t> </a:t>
+            </a:r>
+            <a:r>
+              <a:rPr lang="tr-TR" dirty="0" err="1" smtClean="0"/>
+              <a:t>Chrome</a:t>
+            </a:r>
+            <a:r>
+              <a:rPr lang="tr-TR" dirty="0" smtClean="0"/>
+              <a:t> Extensions</a:t>
+            </a:r>
+          </a:p>
+          <a:p>
+            <a:pPr lvl="1" algn="just">
+              <a:buFont typeface="Wingdings" panose="05000000000000000000" pitchFamily="2" charset="2"/>
+              <a:buChar char="Ø"/>
+            </a:pPr>
+            <a:r>
+              <a:rPr lang="tr-TR" dirty="0" smtClean="0"/>
+              <a:t> </a:t>
+            </a:r>
+            <a:r>
+              <a:rPr lang="en-US" dirty="0" smtClean="0">
+                <a:hlinkClick r:id="rId5"/>
+              </a:rPr>
+              <a:t>https</a:t>
+            </a:r>
+            <a:r>
+              <a:rPr lang="en-US" dirty="0">
+                <a:hlinkClick r:id="rId5"/>
+              </a:rPr>
+              <a:t>://</a:t>
+            </a:r>
+            <a:r>
+              <a:rPr lang="en-US" dirty="0" smtClean="0">
+                <a:hlinkClick r:id="rId5"/>
+              </a:rPr>
+              <a:t>chrome.google.com/webstore/detail/json-formatter/bcjindcccaagfpapjjmafapmmgkkhgoa?hl=tr</a:t>
+            </a:r>
+            <a:endParaRPr lang="tr-TR" dirty="0" smtClean="0"/>
+          </a:p>
+          <a:p>
+            <a:pPr lvl="1" algn="just">
+              <a:buFont typeface="Wingdings" panose="05000000000000000000" pitchFamily="2" charset="2"/>
+              <a:buChar char="Ø"/>
+            </a:pPr>
+            <a:r>
+              <a:rPr lang="tr-TR" dirty="0" smtClean="0"/>
+              <a:t> </a:t>
+            </a:r>
+            <a:r>
+              <a:rPr lang="en-US" dirty="0" smtClean="0"/>
+              <a:t>JSON </a:t>
+            </a:r>
+            <a:r>
+              <a:rPr lang="en-US" dirty="0"/>
+              <a:t>Formatter</a:t>
+            </a:r>
+          </a:p>
+          <a:p>
+            <a:pPr lvl="1" algn="just">
+              <a:buFont typeface="Wingdings" panose="05000000000000000000" pitchFamily="2" charset="2"/>
+              <a:buChar char="Ø"/>
+            </a:pPr>
+            <a:endParaRPr lang="en-US" dirty="0"/>
+          </a:p>
+          <a:p>
+            <a:pPr lvl="1">
+              <a:buFont typeface="Wingdings" panose="05000000000000000000" pitchFamily="2" charset="2"/>
+              <a:buChar char="Ø"/>
+            </a:pPr>
+            <a:endParaRPr lang="tr-TR" dirty="0" smtClean="0"/>
+          </a:p>
+        </p:txBody>
+      </p:sp>
+      <p:sp>
+        <p:nvSpPr>
+          <p:cNvPr id="4" name="Altbilgi Yer Tutucusu 3"/>
+          <p:cNvSpPr>
+            <a:spLocks noGrp="1"/>
+          </p:cNvSpPr>
+          <p:nvPr>
+            <p:ph type="ftr" sz="quarter" idx="11"/>
+          </p:nvPr>
+        </p:nvSpPr>
+        <p:spPr/>
+        <p:txBody>
+          <a:bodyPr/>
+          <a:lstStyle/>
+          <a:p>
+            <a:r>
+              <a:rPr lang="en-US" dirty="0" smtClean="0"/>
+              <a:t>18.0</a:t>
+            </a:r>
+            <a:r>
+              <a:rPr lang="tr-TR" dirty="0" smtClean="0"/>
+              <a:t>7</a:t>
+            </a:r>
+            <a:r>
+              <a:rPr lang="en-US" dirty="0" smtClean="0"/>
+              <a:t>.2022</a:t>
+            </a:r>
+            <a:endParaRPr lang="en-US" dirty="0"/>
+          </a:p>
+        </p:txBody>
+      </p:sp>
+      <p:sp>
+        <p:nvSpPr>
+          <p:cNvPr id="5" name="Slayt Numarası Yer Tutucusu 4"/>
+          <p:cNvSpPr>
+            <a:spLocks noGrp="1"/>
+          </p:cNvSpPr>
+          <p:nvPr>
+            <p:ph type="sldNum" sz="quarter" idx="12"/>
+          </p:nvPr>
+        </p:nvSpPr>
+        <p:spPr/>
+        <p:txBody>
+          <a:bodyPr/>
+          <a:lstStyle/>
+          <a:p>
+            <a:fld id="{647534A5-2742-406E-AF2B-D6AD12C8F954}" type="slidenum">
+              <a:rPr lang="en-US" smtClean="0"/>
+              <a:t>13</a:t>
+            </a:fld>
+            <a:endParaRPr lang="en-US"/>
+          </a:p>
+        </p:txBody>
+      </p:sp>
+      <p:pic>
+        <p:nvPicPr>
+          <p:cNvPr id="6" name="Picture 4" descr="https://media-exp2.licdn.com/dms/image/C4D0BAQFSHJSqIzsWeQ/company-logo_200_200/0/1633345580101?e=1666224000&amp;v=beta&amp;t=NzBDXGZ21bT6jtbXpKG2lV5fKBagdRmQU8hKgQqWrwc"/>
+          <p:cNvPicPr>
+            <a:picLocks noChangeAspect="1" noChangeArrowheads="1"/>
+          </p:cNvPicPr>
+          <p:nvPr/>
+        </p:nvPicPr>
+        <p:blipFill>
+          <a:blip r:embed="rId6">
+            <a:extLst>
+              <a:ext uri="{28A0092B-C50C-407E-A947-70E740481C1C}">
+                <a14:useLocalDpi xmlns:a14="http://schemas.microsoft.com/office/drawing/2010/main" val="0"/>
+              </a:ext>
+            </a:extLst>
+          </a:blip>
+          <a:srcRect/>
+          <a:stretch>
+            <a:fillRect/>
+          </a:stretch>
+        </p:blipFill>
+        <p:spPr bwMode="auto">
+          <a:xfrm>
+            <a:off x="10140778" y="5258334"/>
+            <a:ext cx="1014902" cy="1014902"/>
+          </a:xfrm>
+          <a:prstGeom prst="rect">
+            <a:avLst/>
+          </a:prstGeom>
+          <a:noFill/>
+          <a:extLst>
+            <a:ext uri="{909E8E84-426E-40DD-AFC4-6F175D3DCCD1}">
+              <a14:hiddenFill xmlns:a14="http://schemas.microsoft.com/office/drawing/2010/main">
+                <a:solidFill>
+                  <a:srgbClr val="FFFFFF"/>
+                </a:solidFill>
+              </a14:hiddenFill>
+            </a:ext>
+          </a:extLst>
+        </p:spPr>
+      </p:pic>
+    </p:spTree>
+    <p:extLst>
+      <p:ext uri="{BB962C8B-B14F-4D97-AF65-F5344CB8AC3E}">
+        <p14:creationId xmlns:p14="http://schemas.microsoft.com/office/powerpoint/2010/main" val="3335083426"/>
       </p:ext>
     </p:extLst>
   </p:cSld>

--- a/20.08.2022_2.pptx
+++ b/20.08.2022_2.pptx
@@ -209,7 +209,7 @@
           <a:p>
             <a:fld id="{151299C4-0FA2-42C7-8E7A-443DF9BE88DC}" type="datetimeFigureOut">
               <a:rPr lang="en-US" smtClean="0"/>
-              <a:t>7/20/2022</a:t>
+              <a:t>7/25/2022</a:t>
             </a:fld>
             <a:endParaRPr lang="en-US"/>
           </a:p>
@@ -701,9 +701,9 @@
           <a:bodyPr/>
           <a:lstStyle/>
           <a:p>
-            <a:fld id="{1DEC8984-99C1-484C-9FDC-7469CBDFE76F}" type="datetime1">
+            <a:fld id="{384455B6-8C03-4D87-B8A2-077D934E25E4}" type="datetime1">
               <a:rPr lang="en-US" smtClean="0"/>
-              <a:t>7/20/2022</a:t>
+              <a:t>7/25/2022</a:t>
             </a:fld>
             <a:endParaRPr lang="en-US"/>
           </a:p>
@@ -726,7 +726,7 @@
           <a:p>
             <a:r>
               <a:rPr lang="en-US" smtClean="0"/>
-              <a:t>18.07.2022</a:t>
+              <a:t>20.07.2022</a:t>
             </a:r>
             <a:endParaRPr lang="en-US"/>
           </a:p>
@@ -913,9 +913,9 @@
           <a:bodyPr/>
           <a:lstStyle/>
           <a:p>
-            <a:fld id="{04662763-B7CA-4461-B074-E2E3B7FDB62F}" type="datetime1">
+            <a:fld id="{E562B712-AFC6-4550-9DF6-230BEF7AC44C}" type="datetime1">
               <a:rPr lang="en-US" smtClean="0"/>
-              <a:t>7/20/2022</a:t>
+              <a:t>7/25/2022</a:t>
             </a:fld>
             <a:endParaRPr lang="en-US"/>
           </a:p>
@@ -938,7 +938,7 @@
           <a:p>
             <a:r>
               <a:rPr lang="en-US" smtClean="0"/>
-              <a:t>18.07.2022</a:t>
+              <a:t>20.07.2022</a:t>
             </a:r>
             <a:endParaRPr lang="en-US"/>
           </a:p>
@@ -1173,9 +1173,9 @@
           <a:bodyPr/>
           <a:lstStyle/>
           <a:p>
-            <a:fld id="{F6D631B1-2082-4EBE-9B5E-12816A53862C}" type="datetime1">
+            <a:fld id="{2C4578ED-CAE0-4CE1-9246-EE762BC20435}" type="datetime1">
               <a:rPr lang="en-US" smtClean="0"/>
-              <a:t>7/20/2022</a:t>
+              <a:t>7/25/2022</a:t>
             </a:fld>
             <a:endParaRPr lang="en-US"/>
           </a:p>
@@ -1198,7 +1198,7 @@
           <a:p>
             <a:r>
               <a:rPr lang="en-US" smtClean="0"/>
-              <a:t>18.07.2022</a:t>
+              <a:t>20.07.2022</a:t>
             </a:r>
             <a:endParaRPr lang="en-US"/>
           </a:p>
@@ -1351,9 +1351,9 @@
           <a:bodyPr/>
           <a:lstStyle/>
           <a:p>
-            <a:fld id="{44FB622A-7C7D-47CB-A5B7-F68B191B2D1A}" type="datetime1">
+            <a:fld id="{74C6B5E3-F925-49F6-AF0A-56A4D441FE4A}" type="datetime1">
               <a:rPr lang="en-US" smtClean="0"/>
-              <a:t>7/20/2022</a:t>
+              <a:t>7/25/2022</a:t>
             </a:fld>
             <a:endParaRPr lang="en-US"/>
           </a:p>
@@ -1376,7 +1376,7 @@
           <a:p>
             <a:r>
               <a:rPr lang="en-US" smtClean="0"/>
-              <a:t>18.07.2022</a:t>
+              <a:t>20.07.2022</a:t>
             </a:r>
             <a:endParaRPr lang="en-US"/>
           </a:p>
@@ -1698,9 +1698,9 @@
           <a:bodyPr/>
           <a:lstStyle/>
           <a:p>
-            <a:fld id="{6FC2EAB3-DB63-437F-83E6-BDF69955C355}" type="datetime1">
+            <a:fld id="{C5CE5963-9138-4212-83BB-AD70A4A0DF32}" type="datetime1">
               <a:rPr lang="en-US" smtClean="0"/>
-              <a:t>7/20/2022</a:t>
+              <a:t>7/25/2022</a:t>
             </a:fld>
             <a:endParaRPr lang="en-US"/>
           </a:p>
@@ -1723,7 +1723,7 @@
           <a:p>
             <a:r>
               <a:rPr lang="en-US" smtClean="0"/>
-              <a:t>18.07.2022</a:t>
+              <a:t>20.07.2022</a:t>
             </a:r>
             <a:endParaRPr lang="en-US"/>
           </a:p>
@@ -1977,9 +1977,9 @@
           <a:bodyPr/>
           <a:lstStyle/>
           <a:p>
-            <a:fld id="{A868EE95-6672-425A-A69E-0DC30FF8B826}" type="datetime1">
+            <a:fld id="{E33E6D08-ED56-4976-91E7-E1A36E5A9424}" type="datetime1">
               <a:rPr lang="en-US" smtClean="0"/>
-              <a:t>7/20/2022</a:t>
+              <a:t>7/25/2022</a:t>
             </a:fld>
             <a:endParaRPr lang="en-US"/>
           </a:p>
@@ -2002,7 +2002,7 @@
           <a:p>
             <a:r>
               <a:rPr lang="en-US" smtClean="0"/>
-              <a:t>18.07.2022</a:t>
+              <a:t>20.07.2022</a:t>
             </a:r>
             <a:endParaRPr lang="en-US"/>
           </a:p>
@@ -2360,9 +2360,9 @@
           <a:bodyPr/>
           <a:lstStyle/>
           <a:p>
-            <a:fld id="{620BC551-EA2A-4C50-8EBC-5E8D0755B7B7}" type="datetime1">
+            <a:fld id="{A67FDAF4-BD1A-4F1C-9095-E5D62F25A37A}" type="datetime1">
               <a:rPr lang="en-US" smtClean="0"/>
-              <a:t>7/20/2022</a:t>
+              <a:t>7/25/2022</a:t>
             </a:fld>
             <a:endParaRPr lang="en-US"/>
           </a:p>
@@ -2385,7 +2385,7 @@
           <a:p>
             <a:r>
               <a:rPr lang="en-US" smtClean="0"/>
-              <a:t>18.07.2022</a:t>
+              <a:t>20.07.2022</a:t>
             </a:r>
             <a:endParaRPr lang="en-US"/>
           </a:p>
@@ -2482,9 +2482,9 @@
           <a:bodyPr/>
           <a:lstStyle/>
           <a:p>
-            <a:fld id="{BDDF3669-4B97-4096-A66B-A47CA1A968F4}" type="datetime1">
+            <a:fld id="{A209E496-C366-47BB-9C81-C91315843E81}" type="datetime1">
               <a:rPr lang="en-US" smtClean="0"/>
-              <a:t>7/20/2022</a:t>
+              <a:t>7/25/2022</a:t>
             </a:fld>
             <a:endParaRPr lang="en-US"/>
           </a:p>
@@ -2507,7 +2507,7 @@
           <a:p>
             <a:r>
               <a:rPr lang="en-US" smtClean="0"/>
-              <a:t>18.07.2022</a:t>
+              <a:t>20.07.2022</a:t>
             </a:r>
             <a:endParaRPr lang="en-US"/>
           </a:p>
@@ -2657,9 +2657,9 @@
           <a:bodyPr/>
           <a:lstStyle/>
           <a:p>
-            <a:fld id="{55AF6C67-8305-40F8-8959-AA12F8F8551E}" type="datetime1">
+            <a:fld id="{82CB4DEB-5AE4-4F42-B783-97718C61822F}" type="datetime1">
               <a:rPr lang="en-US" smtClean="0"/>
-              <a:t>7/20/2022</a:t>
+              <a:t>7/25/2022</a:t>
             </a:fld>
             <a:endParaRPr lang="en-US"/>
           </a:p>
@@ -2690,7 +2690,7 @@
           <a:p>
             <a:r>
               <a:rPr lang="en-US" smtClean="0"/>
-              <a:t>18.07.2022</a:t>
+              <a:t>20.07.2022</a:t>
             </a:r>
             <a:endParaRPr lang="en-US"/>
           </a:p>
@@ -3015,9 +3015,9 @@
             </a:lvl1pPr>
           </a:lstStyle>
           <a:p>
-            <a:fld id="{F7646FD3-A208-496F-B6A1-5844474E0277}" type="datetime1">
+            <a:fld id="{BD161096-C30E-4BEA-83ED-9DD7A20A63FC}" type="datetime1">
               <a:rPr lang="en-US" smtClean="0"/>
-              <a:t>7/20/2022</a:t>
+              <a:t>7/25/2022</a:t>
             </a:fld>
             <a:endParaRPr lang="en-US"/>
           </a:p>
@@ -3053,7 +3053,7 @@
           <a:p>
             <a:r>
               <a:rPr lang="en-US" smtClean="0"/>
-              <a:t>18.07.2022</a:t>
+              <a:t>20.07.2022</a:t>
             </a:r>
             <a:endParaRPr lang="en-US"/>
           </a:p>
@@ -3401,9 +3401,9 @@
           <a:bodyPr/>
           <a:lstStyle/>
           <a:p>
-            <a:fld id="{7D5156E0-5CD3-4EA5-9610-8B2EF7DDBF9F}" type="datetime1">
+            <a:fld id="{DEAE4E5A-A7CC-4C27-B543-FCF8E721ED82}" type="datetime1">
               <a:rPr lang="en-US" smtClean="0"/>
-              <a:t>7/20/2022</a:t>
+              <a:t>7/25/2022</a:t>
             </a:fld>
             <a:endParaRPr lang="en-US"/>
           </a:p>
@@ -3426,7 +3426,7 @@
           <a:p>
             <a:r>
               <a:rPr lang="en-US" smtClean="0"/>
-              <a:t>18.07.2022</a:t>
+              <a:t>20.07.2022</a:t>
             </a:r>
             <a:endParaRPr lang="en-US"/>
           </a:p>
@@ -3692,9 +3692,9 @@
             </a:lvl1pPr>
           </a:lstStyle>
           <a:p>
-            <a:fld id="{B0B58414-D3AA-424A-818F-EBCFEF5AA5BC}" type="datetime1">
+            <a:fld id="{A14E1EEB-8555-4603-B775-902DCDB8579D}" type="datetime1">
               <a:rPr lang="en-US" smtClean="0"/>
-              <a:t>7/20/2022</a:t>
+              <a:t>7/25/2022</a:t>
             </a:fld>
             <a:endParaRPr lang="en-US"/>
           </a:p>
@@ -3733,7 +3733,7 @@
           <a:p>
             <a:r>
               <a:rPr lang="en-US" smtClean="0"/>
-              <a:t>18.07.2022</a:t>
+              <a:t>20.07.2022</a:t>
             </a:r>
             <a:endParaRPr lang="en-US"/>
           </a:p>
@@ -4317,16 +4317,8 @@
           <a:p>
             <a:pPr algn="ctr"/>
             <a:r>
-              <a:rPr lang="en-US" dirty="0" smtClean="0"/>
-              <a:t>18.0</a:t>
-            </a:r>
-            <a:r>
-              <a:rPr lang="tr-TR" dirty="0" smtClean="0"/>
-              <a:t>7</a:t>
-            </a:r>
-            <a:r>
-              <a:rPr lang="en-US" dirty="0" smtClean="0"/>
-              <a:t>.2022</a:t>
+              <a:rPr lang="en-US" smtClean="0"/>
+              <a:t>20.07.2022</a:t>
             </a:r>
             <a:endParaRPr lang="en-US" dirty="0"/>
           </a:p>
@@ -4472,16 +4464,8 @@
           <a:lstStyle/>
           <a:p>
             <a:r>
-              <a:rPr lang="en-US" dirty="0" smtClean="0"/>
-              <a:t>18.0</a:t>
-            </a:r>
-            <a:r>
-              <a:rPr lang="tr-TR" dirty="0" smtClean="0"/>
-              <a:t>7</a:t>
-            </a:r>
-            <a:r>
-              <a:rPr lang="en-US" dirty="0" smtClean="0"/>
-              <a:t>.2022</a:t>
+              <a:rPr lang="en-US" smtClean="0"/>
+              <a:t>20.07.2022</a:t>
             </a:r>
             <a:endParaRPr lang="en-US" dirty="0"/>
           </a:p>
@@ -4657,16 +4641,8 @@
           <a:lstStyle/>
           <a:p>
             <a:r>
-              <a:rPr lang="en-US" dirty="0" smtClean="0"/>
-              <a:t>18.0</a:t>
-            </a:r>
-            <a:r>
-              <a:rPr lang="tr-TR" dirty="0" smtClean="0"/>
-              <a:t>7</a:t>
-            </a:r>
-            <a:r>
-              <a:rPr lang="en-US" dirty="0" smtClean="0"/>
-              <a:t>.2022</a:t>
+              <a:rPr lang="en-US" smtClean="0"/>
+              <a:t>20.07.2022</a:t>
             </a:r>
             <a:endParaRPr lang="en-US" dirty="0"/>
           </a:p>
@@ -4842,16 +4818,8 @@
           <a:lstStyle/>
           <a:p>
             <a:r>
-              <a:rPr lang="en-US" dirty="0" smtClean="0"/>
-              <a:t>18.0</a:t>
-            </a:r>
-            <a:r>
-              <a:rPr lang="tr-TR" dirty="0" smtClean="0"/>
-              <a:t>7</a:t>
-            </a:r>
-            <a:r>
-              <a:rPr lang="en-US" dirty="0" smtClean="0"/>
-              <a:t>.2022</a:t>
+              <a:rPr lang="en-US" smtClean="0"/>
+              <a:t>20.07.2022</a:t>
             </a:r>
             <a:endParaRPr lang="en-US" dirty="0"/>
           </a:p>
@@ -5204,16 +5172,8 @@
           <a:lstStyle/>
           <a:p>
             <a:r>
-              <a:rPr lang="en-US" dirty="0" smtClean="0"/>
-              <a:t>18.0</a:t>
-            </a:r>
-            <a:r>
-              <a:rPr lang="tr-TR" dirty="0" smtClean="0"/>
-              <a:t>7</a:t>
-            </a:r>
-            <a:r>
-              <a:rPr lang="en-US" dirty="0" smtClean="0"/>
-              <a:t>.2022</a:t>
+              <a:rPr lang="en-US" smtClean="0"/>
+              <a:t>20.07.2022</a:t>
             </a:r>
             <a:endParaRPr lang="en-US" dirty="0"/>
           </a:p>
@@ -5389,9 +5349,10 @@
           <a:lstStyle/>
           <a:p>
             <a:r>
-              <a:rPr lang="tr-TR" dirty="0" smtClean="0"/>
-              <a:t>18.07.2022</a:t>
-            </a:r>
+              <a:rPr lang="tr-TR" smtClean="0"/>
+              <a:t>20.07.2022</a:t>
+            </a:r>
+            <a:endParaRPr lang="tr-TR" dirty="0" smtClean="0"/>
           </a:p>
         </p:txBody>
       </p:sp>
@@ -5569,16 +5530,8 @@
           <a:lstStyle/>
           <a:p>
             <a:r>
-              <a:rPr lang="en-US" dirty="0" smtClean="0"/>
-              <a:t>18.0</a:t>
-            </a:r>
-            <a:r>
-              <a:rPr lang="tr-TR" dirty="0" smtClean="0"/>
-              <a:t>7</a:t>
-            </a:r>
-            <a:r>
-              <a:rPr lang="en-US" dirty="0" smtClean="0"/>
-              <a:t>.2022</a:t>
+              <a:rPr lang="en-US" smtClean="0"/>
+              <a:t>20.07.2022</a:t>
             </a:r>
             <a:endParaRPr lang="en-US" dirty="0"/>
           </a:p>
@@ -6116,16 +6069,8 @@
           <a:lstStyle/>
           <a:p>
             <a:r>
-              <a:rPr lang="en-US" dirty="0" smtClean="0"/>
-              <a:t>18.0</a:t>
-            </a:r>
-            <a:r>
-              <a:rPr lang="tr-TR" dirty="0" smtClean="0"/>
-              <a:t>7</a:t>
-            </a:r>
-            <a:r>
-              <a:rPr lang="en-US" dirty="0" smtClean="0"/>
-              <a:t>.2022</a:t>
+              <a:rPr lang="en-US" smtClean="0"/>
+              <a:t>20.07.2022</a:t>
             </a:r>
             <a:endParaRPr lang="en-US" dirty="0"/>
           </a:p>
@@ -6297,16 +6242,8 @@
           <a:lstStyle/>
           <a:p>
             <a:r>
-              <a:rPr lang="en-US" dirty="0" smtClean="0"/>
-              <a:t>18.0</a:t>
-            </a:r>
-            <a:r>
-              <a:rPr lang="tr-TR" dirty="0" smtClean="0"/>
-              <a:t>7</a:t>
-            </a:r>
-            <a:r>
-              <a:rPr lang="en-US" dirty="0" smtClean="0"/>
-              <a:t>.2022</a:t>
+              <a:rPr lang="en-US" smtClean="0"/>
+              <a:t>20.07.2022</a:t>
             </a:r>
             <a:endParaRPr lang="en-US" dirty="0"/>
           </a:p>
@@ -6502,16 +6439,8 @@
           <a:lstStyle/>
           <a:p>
             <a:r>
-              <a:rPr lang="en-US" dirty="0" smtClean="0"/>
-              <a:t>18.0</a:t>
-            </a:r>
-            <a:r>
-              <a:rPr lang="tr-TR" dirty="0" smtClean="0"/>
-              <a:t>7</a:t>
-            </a:r>
-            <a:r>
-              <a:rPr lang="en-US" dirty="0" smtClean="0"/>
-              <a:t>.2022</a:t>
+              <a:rPr lang="en-US" smtClean="0"/>
+              <a:t>20.07.2022</a:t>
             </a:r>
             <a:endParaRPr lang="en-US" dirty="0"/>
           </a:p>
@@ -6707,16 +6636,8 @@
           <a:lstStyle/>
           <a:p>
             <a:r>
-              <a:rPr lang="en-US" dirty="0" smtClean="0"/>
-              <a:t>18.0</a:t>
-            </a:r>
-            <a:r>
-              <a:rPr lang="tr-TR" dirty="0" smtClean="0"/>
-              <a:t>7</a:t>
-            </a:r>
-            <a:r>
-              <a:rPr lang="en-US" dirty="0" smtClean="0"/>
-              <a:t>.2022</a:t>
+              <a:rPr lang="en-US" smtClean="0"/>
+              <a:t>20.07.2022</a:t>
             </a:r>
             <a:endParaRPr lang="en-US" dirty="0"/>
           </a:p>
@@ -6912,16 +6833,8 @@
           <a:lstStyle/>
           <a:p>
             <a:r>
-              <a:rPr lang="en-US" dirty="0" smtClean="0"/>
-              <a:t>18.0</a:t>
-            </a:r>
-            <a:r>
-              <a:rPr lang="tr-TR" dirty="0" smtClean="0"/>
-              <a:t>7</a:t>
-            </a:r>
-            <a:r>
-              <a:rPr lang="en-US" dirty="0" smtClean="0"/>
-              <a:t>.2022</a:t>
+              <a:rPr lang="en-US" smtClean="0"/>
+              <a:t>20.07.2022</a:t>
             </a:r>
             <a:endParaRPr lang="en-US" dirty="0"/>
           </a:p>
@@ -7114,16 +7027,8 @@
           <a:lstStyle/>
           <a:p>
             <a:r>
-              <a:rPr lang="en-US" dirty="0" smtClean="0"/>
-              <a:t>18.0</a:t>
-            </a:r>
-            <a:r>
-              <a:rPr lang="tr-TR" dirty="0" smtClean="0"/>
-              <a:t>7</a:t>
-            </a:r>
-            <a:r>
-              <a:rPr lang="en-US" dirty="0" smtClean="0"/>
-              <a:t>.2022</a:t>
+              <a:rPr lang="en-US" smtClean="0"/>
+              <a:t>20.07.2022</a:t>
             </a:r>
             <a:endParaRPr lang="en-US" dirty="0"/>
           </a:p>
